--- a/Lectures/week_4/CSE 599V Lecture 10 - Estimating Confidence in Models and Parameters- II .pptx
+++ b/Lectures/week_4/CSE 599V Lecture 10 - Estimating Confidence in Models and Parameters- II .pptx
@@ -5,14 +5,15 @@
     <p:sldMasterId id="2147483648" r:id="rId1"/>
   </p:sldMasterIdLst>
   <p:notesMasterIdLst>
-    <p:notesMasterId r:id="rId4"/>
+    <p:notesMasterId r:id="rId5"/>
   </p:notesMasterIdLst>
   <p:handoutMasterIdLst>
-    <p:handoutMasterId r:id="rId5"/>
+    <p:handoutMasterId r:id="rId6"/>
   </p:handoutMasterIdLst>
   <p:sldIdLst>
     <p:sldId id="347" r:id="rId2"/>
     <p:sldId id="348" r:id="rId3"/>
+    <p:sldId id="349" r:id="rId4"/>
   </p:sldIdLst>
   <p:sldSz cx="9144000" cy="6858000" type="screen4x3"/>
   <p:notesSz cx="6858000" cy="9144000"/>
@@ -283,7 +284,7 @@
               <a:pPr>
                 <a:defRPr/>
               </a:pPr>
-              <a:t>10/18/18</a:t>
+              <a:t>10/22/18</a:t>
             </a:fld>
             <a:endParaRPr lang="en-US" altLang="x-none"/>
           </a:p>
@@ -492,7 +493,7 @@
               <a:pPr>
                 <a:defRPr/>
               </a:pPr>
-              <a:t>10/18/18</a:t>
+              <a:t>10/22/18</a:t>
             </a:fld>
             <a:endParaRPr lang="en-US" altLang="x-none"/>
           </a:p>
@@ -5241,7 +5242,7 @@
           <a:p>
             <a:r>
               <a:rPr lang="en-US" sz="2000" dirty="0"/>
-              <a:t>Confidence intervals</a:t>
+              <a:t>Confidence intervals and bootstrapping</a:t>
             </a:r>
           </a:p>
           <a:p>
@@ -5312,6 +5313,121 @@
     <p:extLst>
       <p:ext uri="{BB962C8B-B14F-4D97-AF65-F5344CB8AC3E}">
         <p14:creationId xmlns:p14="http://schemas.microsoft.com/office/powerpoint/2010/main" val="4095691780"/>
+      </p:ext>
+    </p:extLst>
+  </p:cSld>
+  <p:clrMapOvr>
+    <a:masterClrMapping/>
+  </p:clrMapOvr>
+</p:sld>
+</file>
+
+<file path=ppt/slides/slide3.xml><?xml version="1.0" encoding="utf-8"?>
+<p:sld xmlns:a="http://schemas.openxmlformats.org/drawingml/2006/main" xmlns:r="http://schemas.openxmlformats.org/officeDocument/2006/relationships" xmlns:p="http://schemas.openxmlformats.org/presentationml/2006/main">
+  <p:cSld>
+    <p:spTree>
+      <p:nvGrpSpPr>
+        <p:cNvPr id="1" name=""/>
+        <p:cNvGrpSpPr/>
+        <p:nvPr/>
+      </p:nvGrpSpPr>
+      <p:grpSpPr>
+        <a:xfrm>
+          <a:off x="0" y="0"/>
+          <a:ext cx="0" cy="0"/>
+          <a:chOff x="0" y="0"/>
+          <a:chExt cx="0" cy="0"/>
+        </a:xfrm>
+      </p:grpSpPr>
+      <p:sp>
+        <p:nvSpPr>
+          <p:cNvPr id="2" name="Title 1">
+            <a:extLst>
+              <a:ext uri="{FF2B5EF4-FFF2-40B4-BE49-F238E27FC236}">
+                <a16:creationId xmlns:a16="http://schemas.microsoft.com/office/drawing/2014/main" id="{88698B47-9168-7C43-B654-623BDC30F368}"/>
+              </a:ext>
+            </a:extLst>
+          </p:cNvPr>
+          <p:cNvSpPr>
+            <a:spLocks noGrp="1"/>
+          </p:cNvSpPr>
+          <p:nvPr>
+            <p:ph type="title"/>
+          </p:nvPr>
+        </p:nvSpPr>
+        <p:spPr/>
+        <p:txBody>
+          <a:bodyPr/>
+          <a:lstStyle/>
+          <a:p>
+            <a:endParaRPr lang="en-US" dirty="0"/>
+          </a:p>
+        </p:txBody>
+      </p:sp>
+      <p:sp>
+        <p:nvSpPr>
+          <p:cNvPr id="3" name="Content Placeholder 2">
+            <a:extLst>
+              <a:ext uri="{FF2B5EF4-FFF2-40B4-BE49-F238E27FC236}">
+                <a16:creationId xmlns:a16="http://schemas.microsoft.com/office/drawing/2014/main" id="{6DB45D3A-7042-DC4F-BC06-8B46E0B67B8A}"/>
+              </a:ext>
+            </a:extLst>
+          </p:cNvPr>
+          <p:cNvSpPr>
+            <a:spLocks noGrp="1"/>
+          </p:cNvSpPr>
+          <p:nvPr>
+            <p:ph idx="1"/>
+          </p:nvPr>
+        </p:nvSpPr>
+        <p:spPr/>
+        <p:txBody>
+          <a:bodyPr/>
+          <a:lstStyle/>
+          <a:p>
+            <a:endParaRPr lang="en-US"/>
+          </a:p>
+        </p:txBody>
+      </p:sp>
+      <p:sp>
+        <p:nvSpPr>
+          <p:cNvPr id="4" name="Slide Number Placeholder 3">
+            <a:extLst>
+              <a:ext uri="{FF2B5EF4-FFF2-40B4-BE49-F238E27FC236}">
+                <a16:creationId xmlns:a16="http://schemas.microsoft.com/office/drawing/2014/main" id="{2AABDF10-6783-E44E-934F-A22DF20E4FB8}"/>
+              </a:ext>
+            </a:extLst>
+          </p:cNvPr>
+          <p:cNvSpPr>
+            <a:spLocks noGrp="1"/>
+          </p:cNvSpPr>
+          <p:nvPr>
+            <p:ph type="sldNum" sz="quarter" idx="11"/>
+          </p:nvPr>
+        </p:nvSpPr>
+        <p:spPr/>
+        <p:txBody>
+          <a:bodyPr/>
+          <a:lstStyle/>
+          <a:p>
+            <a:pPr>
+              <a:defRPr/>
+            </a:pPr>
+            <a:fld id="{3EF4E9CC-9D91-476E-91FD-5BEEC1642931}" type="slidenum">
+              <a:rPr lang="en-US" altLang="x-none" smtClean="0"/>
+              <a:pPr>
+                <a:defRPr/>
+              </a:pPr>
+              <a:t>3</a:t>
+            </a:fld>
+            <a:endParaRPr lang="en-US" altLang="x-none"/>
+          </a:p>
+        </p:txBody>
+      </p:sp>
+    </p:spTree>
+    <p:extLst>
+      <p:ext uri="{BB962C8B-B14F-4D97-AF65-F5344CB8AC3E}">
+        <p14:creationId xmlns:p14="http://schemas.microsoft.com/office/powerpoint/2010/main" val="3889720431"/>
       </p:ext>
     </p:extLst>
   </p:cSld>
